--- a/assembly/pictures/pdf/fig1b1.pptx
+++ b/assembly/pictures/pdf/fig1b1.pptx
@@ -288,7 +288,7 @@
           <a:p>
             <a:fld id="{BD062408-EA1B-994F-9E64-636DB23DCB45}" type="datetimeFigureOut">
               <a:rPr lang="en-US" smtClean="0"/>
-              <a:t>2/15/17</a:t>
+              <a:t>5/2/17</a:t>
             </a:fld>
             <a:endParaRPr lang="en-US"/>
           </a:p>
@@ -458,7 +458,7 @@
           <a:p>
             <a:fld id="{BD062408-EA1B-994F-9E64-636DB23DCB45}" type="datetimeFigureOut">
               <a:rPr lang="en-US" smtClean="0"/>
-              <a:t>2/15/17</a:t>
+              <a:t>5/2/17</a:t>
             </a:fld>
             <a:endParaRPr lang="en-US"/>
           </a:p>
@@ -638,7 +638,7 @@
           <a:p>
             <a:fld id="{BD062408-EA1B-994F-9E64-636DB23DCB45}" type="datetimeFigureOut">
               <a:rPr lang="en-US" smtClean="0"/>
-              <a:t>2/15/17</a:t>
+              <a:t>5/2/17</a:t>
             </a:fld>
             <a:endParaRPr lang="en-US"/>
           </a:p>
@@ -808,7 +808,7 @@
           <a:p>
             <a:fld id="{BD062408-EA1B-994F-9E64-636DB23DCB45}" type="datetimeFigureOut">
               <a:rPr lang="en-US" smtClean="0"/>
-              <a:t>2/15/17</a:t>
+              <a:t>5/2/17</a:t>
             </a:fld>
             <a:endParaRPr lang="en-US"/>
           </a:p>
@@ -1054,7 +1054,7 @@
           <a:p>
             <a:fld id="{BD062408-EA1B-994F-9E64-636DB23DCB45}" type="datetimeFigureOut">
               <a:rPr lang="en-US" smtClean="0"/>
-              <a:t>2/15/17</a:t>
+              <a:t>5/2/17</a:t>
             </a:fld>
             <a:endParaRPr lang="en-US"/>
           </a:p>
@@ -1342,7 +1342,7 @@
           <a:p>
             <a:fld id="{BD062408-EA1B-994F-9E64-636DB23DCB45}" type="datetimeFigureOut">
               <a:rPr lang="en-US" smtClean="0"/>
-              <a:t>2/15/17</a:t>
+              <a:t>5/2/17</a:t>
             </a:fld>
             <a:endParaRPr lang="en-US"/>
           </a:p>
@@ -1769,7 +1769,7 @@
           <a:p>
             <a:fld id="{BD062408-EA1B-994F-9E64-636DB23DCB45}" type="datetimeFigureOut">
               <a:rPr lang="en-US" smtClean="0"/>
-              <a:t>2/15/17</a:t>
+              <a:t>5/2/17</a:t>
             </a:fld>
             <a:endParaRPr lang="en-US"/>
           </a:p>
@@ -1887,7 +1887,7 @@
           <a:p>
             <a:fld id="{BD062408-EA1B-994F-9E64-636DB23DCB45}" type="datetimeFigureOut">
               <a:rPr lang="en-US" smtClean="0"/>
-              <a:t>2/15/17</a:t>
+              <a:t>5/2/17</a:t>
             </a:fld>
             <a:endParaRPr lang="en-US"/>
           </a:p>
@@ -1982,7 +1982,7 @@
           <a:p>
             <a:fld id="{BD062408-EA1B-994F-9E64-636DB23DCB45}" type="datetimeFigureOut">
               <a:rPr lang="en-US" smtClean="0"/>
-              <a:t>2/15/17</a:t>
+              <a:t>5/2/17</a:t>
             </a:fld>
             <a:endParaRPr lang="en-US"/>
           </a:p>
@@ -2259,7 +2259,7 @@
           <a:p>
             <a:fld id="{BD062408-EA1B-994F-9E64-636DB23DCB45}" type="datetimeFigureOut">
               <a:rPr lang="en-US" smtClean="0"/>
-              <a:t>2/15/17</a:t>
+              <a:t>5/2/17</a:t>
             </a:fld>
             <a:endParaRPr lang="en-US"/>
           </a:p>
@@ -2512,7 +2512,7 @@
           <a:p>
             <a:fld id="{BD062408-EA1B-994F-9E64-636DB23DCB45}" type="datetimeFigureOut">
               <a:rPr lang="en-US" smtClean="0"/>
-              <a:t>2/15/17</a:t>
+              <a:t>5/2/17</a:t>
             </a:fld>
             <a:endParaRPr lang="en-US"/>
           </a:p>
@@ -2725,7 +2725,7 @@
           <a:p>
             <a:fld id="{BD062408-EA1B-994F-9E64-636DB23DCB45}" type="datetimeFigureOut">
               <a:rPr lang="en-US" smtClean="0"/>
-              <a:t>2/15/17</a:t>
+              <a:t>5/2/17</a:t>
             </a:fld>
             <a:endParaRPr lang="en-US"/>
           </a:p>
@@ -3102,7 +3102,7 @@
       </p:grpSpPr>
       <p:pic>
         <p:nvPicPr>
-          <p:cNvPr id="15" name="Picture 14" descr="Aaron7Factory3.pdf"/>
+          <p:cNvPr id="4" name="Picture 3" descr="fig1factory7tilea.pdf"/>
           <p:cNvPicPr>
             <a:picLocks noChangeAspect="1"/>
           </p:cNvPicPr>
@@ -3116,13 +3116,13 @@
               </a:ext>
             </a:extLst>
           </a:blip>
-          <a:srcRect l="13984" t="39363" r="12601" b="40955"/>
+          <a:srcRect l="14979" t="39508" r="12356" b="41244"/>
           <a:stretch/>
         </p:blipFill>
         <p:spPr>
           <a:xfrm>
-            <a:off x="-164836" y="-25402"/>
-            <a:ext cx="6540236" cy="2269067"/>
+            <a:off x="-38100" y="-9261"/>
+            <a:ext cx="6498346" cy="2227526"/>
           </a:xfrm>
           <a:prstGeom prst="rect">
             <a:avLst/>
@@ -3137,8 +3137,8 @@
         </p:nvSpPr>
         <p:spPr>
           <a:xfrm>
-            <a:off x="67734" y="571764"/>
-            <a:ext cx="753533" cy="1533525"/>
+            <a:off x="115789" y="571764"/>
+            <a:ext cx="677525" cy="1533525"/>
           </a:xfrm>
           <a:prstGeom prst="rect">
             <a:avLst/>
@@ -3172,7 +3172,7 @@
       </p:sp>
       <p:pic>
         <p:nvPicPr>
-          <p:cNvPr id="14" name="Picture 13" descr="7tilev3.pdf"/>
+          <p:cNvPr id="2" name="Picture 1" descr="Fig1aINSET.pdf"/>
           <p:cNvPicPr>
             <a:picLocks noChangeAspect="1"/>
           </p:cNvPicPr>
@@ -3186,13 +3186,13 @@
               </a:ext>
             </a:extLst>
           </a:blip>
-          <a:srcRect l="44561" t="39363" r="45222" b="38254"/>
+          <a:srcRect l="35262" t="23541" r="35381" b="21792"/>
           <a:stretch/>
         </p:blipFill>
         <p:spPr>
           <a:xfrm>
-            <a:off x="149802" y="563297"/>
-            <a:ext cx="578330" cy="1639630"/>
+            <a:off x="140130" y="614360"/>
+            <a:ext cx="622300" cy="1499616"/>
           </a:xfrm>
           <a:prstGeom prst="rect">
             <a:avLst/>
